--- a/如何将项目打包传到jcenter上.pptx
+++ b/如何将项目打包传到jcenter上.pptx
@@ -5,16 +5,16 @@
     <p:sldMasterId id="2147483648" r:id="rId1"/>
   </p:sldMasterIdLst>
   <p:sldIdLst>
-    <p:sldId id="256" r:id="rId3"/>
-    <p:sldId id="257" r:id="rId4"/>
-    <p:sldId id="258" r:id="rId5"/>
-    <p:sldId id="259" r:id="rId6"/>
-    <p:sldId id="260" r:id="rId7"/>
-    <p:sldId id="261" r:id="rId8"/>
-    <p:sldId id="262" r:id="rId9"/>
-    <p:sldId id="263" r:id="rId10"/>
-    <p:sldId id="264" r:id="rId11"/>
-    <p:sldId id="265" r:id="rId12"/>
+    <p:sldId id="256" r:id="rId2"/>
+    <p:sldId id="257" r:id="rId3"/>
+    <p:sldId id="258" r:id="rId4"/>
+    <p:sldId id="259" r:id="rId5"/>
+    <p:sldId id="260" r:id="rId6"/>
+    <p:sldId id="261" r:id="rId7"/>
+    <p:sldId id="262" r:id="rId8"/>
+    <p:sldId id="263" r:id="rId9"/>
+    <p:sldId id="264" r:id="rId10"/>
+    <p:sldId id="265" r:id="rId11"/>
   </p:sldIdLst>
   <p:sldSz cx="12192000" cy="6858000"/>
   <p:notesSz cx="6858000" cy="9144000"/>
@@ -113,6 +113,11 @@
       </a:defRPr>
     </a:lvl9pPr>
   </p:defaultTextStyle>
+  <p:extLst>
+    <p:ext uri="{EFAFB233-063F-42B5-8137-9DF3F51BA10A}">
+      <p15:sldGuideLst xmlns:p15="http://schemas.microsoft.com/office/powerpoint/2012/main"/>
+    </p:ext>
+  </p:extLst>
 </p:presentation>
 </file>
 
@@ -247,6 +252,7 @@
           <a:p>
             <a:fld id="{D997B5FA-0921-464F-AAE1-844C04324D75}" type="datetimeFigureOut">
               <a:rPr lang="zh-CN" altLang="en-US" smtClean="0"/>
+              <a:t>2017/7/20</a:t>
             </a:fld>
             <a:endParaRPr lang="zh-CN" altLang="en-US"/>
           </a:p>
@@ -288,6 +294,7 @@
           <a:p>
             <a:fld id="{565CE74E-AB26-4998-AD42-012C4C1AD076}" type="slidenum">
               <a:rPr lang="zh-CN" altLang="en-US" smtClean="0"/>
+              <a:t>‹#›</a:t>
             </a:fld>
             <a:endParaRPr lang="zh-CN" altLang="en-US"/>
           </a:p>
@@ -361,7 +368,6 @@
               <a:rPr lang="zh-CN" altLang="en-US" smtClean="0"/>
               <a:t>单击此处编辑母版文本样式</a:t>
             </a:r>
-            <a:endParaRPr lang="zh-CN" altLang="en-US" smtClean="0"/>
           </a:p>
           <a:p>
             <a:pPr lvl="1"/>
@@ -369,7 +375,6 @@
               <a:rPr lang="zh-CN" altLang="en-US" smtClean="0"/>
               <a:t>第二级</a:t>
             </a:r>
-            <a:endParaRPr lang="zh-CN" altLang="en-US" smtClean="0"/>
           </a:p>
           <a:p>
             <a:pPr lvl="2"/>
@@ -377,7 +382,6 @@
               <a:rPr lang="zh-CN" altLang="en-US" smtClean="0"/>
               <a:t>第三级</a:t>
             </a:r>
-            <a:endParaRPr lang="zh-CN" altLang="en-US" smtClean="0"/>
           </a:p>
           <a:p>
             <a:pPr lvl="3"/>
@@ -385,7 +389,6 @@
               <a:rPr lang="zh-CN" altLang="en-US" smtClean="0"/>
               <a:t>第四级</a:t>
             </a:r>
-            <a:endParaRPr lang="zh-CN" altLang="en-US" smtClean="0"/>
           </a:p>
           <a:p>
             <a:pPr lvl="4"/>
@@ -414,6 +417,7 @@
           <a:p>
             <a:fld id="{D997B5FA-0921-464F-AAE1-844C04324D75}" type="datetimeFigureOut">
               <a:rPr lang="zh-CN" altLang="en-US" smtClean="0"/>
+              <a:t>2017/7/20</a:t>
             </a:fld>
             <a:endParaRPr lang="zh-CN" altLang="en-US"/>
           </a:p>
@@ -455,6 +459,7 @@
           <a:p>
             <a:fld id="{565CE74E-AB26-4998-AD42-012C4C1AD076}" type="slidenum">
               <a:rPr lang="zh-CN" altLang="en-US" smtClean="0"/>
+              <a:t>‹#›</a:t>
             </a:fld>
             <a:endParaRPr lang="zh-CN" altLang="en-US"/>
           </a:p>
@@ -538,7 +543,6 @@
               <a:rPr lang="zh-CN" altLang="en-US" smtClean="0"/>
               <a:t>单击此处编辑母版文本样式</a:t>
             </a:r>
-            <a:endParaRPr lang="zh-CN" altLang="en-US" smtClean="0"/>
           </a:p>
           <a:p>
             <a:pPr lvl="1"/>
@@ -546,7 +550,6 @@
               <a:rPr lang="zh-CN" altLang="en-US" smtClean="0"/>
               <a:t>第二级</a:t>
             </a:r>
-            <a:endParaRPr lang="zh-CN" altLang="en-US" smtClean="0"/>
           </a:p>
           <a:p>
             <a:pPr lvl="2"/>
@@ -554,7 +557,6 @@
               <a:rPr lang="zh-CN" altLang="en-US" smtClean="0"/>
               <a:t>第三级</a:t>
             </a:r>
-            <a:endParaRPr lang="zh-CN" altLang="en-US" smtClean="0"/>
           </a:p>
           <a:p>
             <a:pPr lvl="3"/>
@@ -562,7 +564,6 @@
               <a:rPr lang="zh-CN" altLang="en-US" smtClean="0"/>
               <a:t>第四级</a:t>
             </a:r>
-            <a:endParaRPr lang="zh-CN" altLang="en-US" smtClean="0"/>
           </a:p>
           <a:p>
             <a:pPr lvl="4"/>
@@ -591,6 +592,7 @@
           <a:p>
             <a:fld id="{D997B5FA-0921-464F-AAE1-844C04324D75}" type="datetimeFigureOut">
               <a:rPr lang="zh-CN" altLang="en-US" smtClean="0"/>
+              <a:t>2017/7/20</a:t>
             </a:fld>
             <a:endParaRPr lang="zh-CN" altLang="en-US"/>
           </a:p>
@@ -632,6 +634,7 @@
           <a:p>
             <a:fld id="{565CE74E-AB26-4998-AD42-012C4C1AD076}" type="slidenum">
               <a:rPr lang="zh-CN" altLang="en-US" smtClean="0"/>
+              <a:t>‹#›</a:t>
             </a:fld>
             <a:endParaRPr lang="zh-CN" altLang="en-US"/>
           </a:p>
@@ -705,7 +708,6 @@
               <a:rPr lang="zh-CN" altLang="en-US" smtClean="0"/>
               <a:t>单击此处编辑母版文本样式</a:t>
             </a:r>
-            <a:endParaRPr lang="zh-CN" altLang="en-US" smtClean="0"/>
           </a:p>
           <a:p>
             <a:pPr lvl="1"/>
@@ -713,7 +715,6 @@
               <a:rPr lang="zh-CN" altLang="en-US" smtClean="0"/>
               <a:t>第二级</a:t>
             </a:r>
-            <a:endParaRPr lang="zh-CN" altLang="en-US" smtClean="0"/>
           </a:p>
           <a:p>
             <a:pPr lvl="2"/>
@@ -721,7 +722,6 @@
               <a:rPr lang="zh-CN" altLang="en-US" smtClean="0"/>
               <a:t>第三级</a:t>
             </a:r>
-            <a:endParaRPr lang="zh-CN" altLang="en-US" smtClean="0"/>
           </a:p>
           <a:p>
             <a:pPr lvl="3"/>
@@ -729,7 +729,6 @@
               <a:rPr lang="zh-CN" altLang="en-US" smtClean="0"/>
               <a:t>第四级</a:t>
             </a:r>
-            <a:endParaRPr lang="zh-CN" altLang="en-US" smtClean="0"/>
           </a:p>
           <a:p>
             <a:pPr lvl="4"/>
@@ -758,6 +757,7 @@
           <a:p>
             <a:fld id="{D997B5FA-0921-464F-AAE1-844C04324D75}" type="datetimeFigureOut">
               <a:rPr lang="zh-CN" altLang="en-US" smtClean="0"/>
+              <a:t>2017/7/20</a:t>
             </a:fld>
             <a:endParaRPr lang="zh-CN" altLang="en-US"/>
           </a:p>
@@ -799,6 +799,7 @@
           <a:p>
             <a:fld id="{565CE74E-AB26-4998-AD42-012C4C1AD076}" type="slidenum">
               <a:rPr lang="zh-CN" altLang="en-US" smtClean="0"/>
+              <a:t>‹#›</a:t>
             </a:fld>
             <a:endParaRPr lang="zh-CN" altLang="en-US"/>
           </a:p>
@@ -977,7 +978,6 @@
               <a:rPr lang="zh-CN" altLang="en-US" smtClean="0"/>
               <a:t>单击此处编辑母版文本样式</a:t>
             </a:r>
-            <a:endParaRPr lang="zh-CN" altLang="en-US" smtClean="0"/>
           </a:p>
         </p:txBody>
       </p:sp>
@@ -998,6 +998,7 @@
           <a:p>
             <a:fld id="{D997B5FA-0921-464F-AAE1-844C04324D75}" type="datetimeFigureOut">
               <a:rPr lang="zh-CN" altLang="en-US" smtClean="0"/>
+              <a:t>2017/7/20</a:t>
             </a:fld>
             <a:endParaRPr lang="zh-CN" altLang="en-US"/>
           </a:p>
@@ -1039,6 +1040,7 @@
           <a:p>
             <a:fld id="{565CE74E-AB26-4998-AD42-012C4C1AD076}" type="slidenum">
               <a:rPr lang="zh-CN" altLang="en-US" smtClean="0"/>
+              <a:t>‹#›</a:t>
             </a:fld>
             <a:endParaRPr lang="zh-CN" altLang="en-US"/>
           </a:p>
@@ -1117,7 +1119,6 @@
               <a:rPr lang="zh-CN" altLang="en-US" smtClean="0"/>
               <a:t>单击此处编辑母版文本样式</a:t>
             </a:r>
-            <a:endParaRPr lang="zh-CN" altLang="en-US" smtClean="0"/>
           </a:p>
           <a:p>
             <a:pPr lvl="1"/>
@@ -1125,7 +1126,6 @@
               <a:rPr lang="zh-CN" altLang="en-US" smtClean="0"/>
               <a:t>第二级</a:t>
             </a:r>
-            <a:endParaRPr lang="zh-CN" altLang="en-US" smtClean="0"/>
           </a:p>
           <a:p>
             <a:pPr lvl="2"/>
@@ -1133,7 +1133,6 @@
               <a:rPr lang="zh-CN" altLang="en-US" smtClean="0"/>
               <a:t>第三级</a:t>
             </a:r>
-            <a:endParaRPr lang="zh-CN" altLang="en-US" smtClean="0"/>
           </a:p>
           <a:p>
             <a:pPr lvl="3"/>
@@ -1141,7 +1140,6 @@
               <a:rPr lang="zh-CN" altLang="en-US" smtClean="0"/>
               <a:t>第四级</a:t>
             </a:r>
-            <a:endParaRPr lang="zh-CN" altLang="en-US" smtClean="0"/>
           </a:p>
           <a:p>
             <a:pPr lvl="4"/>
@@ -1178,7 +1176,6 @@
               <a:rPr lang="zh-CN" altLang="en-US" smtClean="0"/>
               <a:t>单击此处编辑母版文本样式</a:t>
             </a:r>
-            <a:endParaRPr lang="zh-CN" altLang="en-US" smtClean="0"/>
           </a:p>
           <a:p>
             <a:pPr lvl="1"/>
@@ -1186,7 +1183,6 @@
               <a:rPr lang="zh-CN" altLang="en-US" smtClean="0"/>
               <a:t>第二级</a:t>
             </a:r>
-            <a:endParaRPr lang="zh-CN" altLang="en-US" smtClean="0"/>
           </a:p>
           <a:p>
             <a:pPr lvl="2"/>
@@ -1194,7 +1190,6 @@
               <a:rPr lang="zh-CN" altLang="en-US" smtClean="0"/>
               <a:t>第三级</a:t>
             </a:r>
-            <a:endParaRPr lang="zh-CN" altLang="en-US" smtClean="0"/>
           </a:p>
           <a:p>
             <a:pPr lvl="3"/>
@@ -1202,7 +1197,6 @@
               <a:rPr lang="zh-CN" altLang="en-US" smtClean="0"/>
               <a:t>第四级</a:t>
             </a:r>
-            <a:endParaRPr lang="zh-CN" altLang="en-US" smtClean="0"/>
           </a:p>
           <a:p>
             <a:pPr lvl="4"/>
@@ -1231,6 +1225,7 @@
           <a:p>
             <a:fld id="{D997B5FA-0921-464F-AAE1-844C04324D75}" type="datetimeFigureOut">
               <a:rPr lang="zh-CN" altLang="en-US" smtClean="0"/>
+              <a:t>2017/7/20</a:t>
             </a:fld>
             <a:endParaRPr lang="zh-CN" altLang="en-US"/>
           </a:p>
@@ -1272,6 +1267,7 @@
           <a:p>
             <a:fld id="{565CE74E-AB26-4998-AD42-012C4C1AD076}" type="slidenum">
               <a:rPr lang="zh-CN" altLang="en-US" smtClean="0"/>
+              <a:t>‹#›</a:t>
             </a:fld>
             <a:endParaRPr lang="zh-CN" altLang="en-US"/>
           </a:p>
@@ -1392,7 +1388,6 @@
               <a:rPr lang="zh-CN" altLang="en-US" smtClean="0"/>
               <a:t>单击此处编辑母版文本样式</a:t>
             </a:r>
-            <a:endParaRPr lang="zh-CN" altLang="en-US" smtClean="0"/>
           </a:p>
         </p:txBody>
       </p:sp>
@@ -1421,7 +1416,6 @@
               <a:rPr lang="zh-CN" altLang="en-US" smtClean="0"/>
               <a:t>单击此处编辑母版文本样式</a:t>
             </a:r>
-            <a:endParaRPr lang="zh-CN" altLang="en-US" smtClean="0"/>
           </a:p>
           <a:p>
             <a:pPr lvl="1"/>
@@ -1429,7 +1423,6 @@
               <a:rPr lang="zh-CN" altLang="en-US" smtClean="0"/>
               <a:t>第二级</a:t>
             </a:r>
-            <a:endParaRPr lang="zh-CN" altLang="en-US" smtClean="0"/>
           </a:p>
           <a:p>
             <a:pPr lvl="2"/>
@@ -1437,7 +1430,6 @@
               <a:rPr lang="zh-CN" altLang="en-US" smtClean="0"/>
               <a:t>第三级</a:t>
             </a:r>
-            <a:endParaRPr lang="zh-CN" altLang="en-US" smtClean="0"/>
           </a:p>
           <a:p>
             <a:pPr lvl="3"/>
@@ -1445,7 +1437,6 @@
               <a:rPr lang="zh-CN" altLang="en-US" smtClean="0"/>
               <a:t>第四级</a:t>
             </a:r>
-            <a:endParaRPr lang="zh-CN" altLang="en-US" smtClean="0"/>
           </a:p>
           <a:p>
             <a:pPr lvl="4"/>
@@ -1519,7 +1510,6 @@
               <a:rPr lang="zh-CN" altLang="en-US" smtClean="0"/>
               <a:t>单击此处编辑母版文本样式</a:t>
             </a:r>
-            <a:endParaRPr lang="zh-CN" altLang="en-US" smtClean="0"/>
           </a:p>
         </p:txBody>
       </p:sp>
@@ -1548,7 +1538,6 @@
               <a:rPr lang="zh-CN" altLang="en-US" smtClean="0"/>
               <a:t>单击此处编辑母版文本样式</a:t>
             </a:r>
-            <a:endParaRPr lang="zh-CN" altLang="en-US" smtClean="0"/>
           </a:p>
           <a:p>
             <a:pPr lvl="1"/>
@@ -1556,7 +1545,6 @@
               <a:rPr lang="zh-CN" altLang="en-US" smtClean="0"/>
               <a:t>第二级</a:t>
             </a:r>
-            <a:endParaRPr lang="zh-CN" altLang="en-US" smtClean="0"/>
           </a:p>
           <a:p>
             <a:pPr lvl="2"/>
@@ -1564,7 +1552,6 @@
               <a:rPr lang="zh-CN" altLang="en-US" smtClean="0"/>
               <a:t>第三级</a:t>
             </a:r>
-            <a:endParaRPr lang="zh-CN" altLang="en-US" smtClean="0"/>
           </a:p>
           <a:p>
             <a:pPr lvl="3"/>
@@ -1572,7 +1559,6 @@
               <a:rPr lang="zh-CN" altLang="en-US" smtClean="0"/>
               <a:t>第四级</a:t>
             </a:r>
-            <a:endParaRPr lang="zh-CN" altLang="en-US" smtClean="0"/>
           </a:p>
           <a:p>
             <a:pPr lvl="4"/>
@@ -1601,6 +1587,7 @@
           <a:p>
             <a:fld id="{D997B5FA-0921-464F-AAE1-844C04324D75}" type="datetimeFigureOut">
               <a:rPr lang="zh-CN" altLang="en-US" smtClean="0"/>
+              <a:t>2017/7/20</a:t>
             </a:fld>
             <a:endParaRPr lang="zh-CN" altLang="en-US"/>
           </a:p>
@@ -1642,6 +1629,7 @@
           <a:p>
             <a:fld id="{565CE74E-AB26-4998-AD42-012C4C1AD076}" type="slidenum">
               <a:rPr lang="zh-CN" altLang="en-US" smtClean="0"/>
+              <a:t>‹#›</a:t>
             </a:fld>
             <a:endParaRPr lang="zh-CN" altLang="en-US"/>
           </a:p>
@@ -1712,6 +1700,7 @@
           <a:p>
             <a:fld id="{D997B5FA-0921-464F-AAE1-844C04324D75}" type="datetimeFigureOut">
               <a:rPr lang="zh-CN" altLang="en-US" smtClean="0"/>
+              <a:t>2017/7/20</a:t>
             </a:fld>
             <a:endParaRPr lang="zh-CN" altLang="en-US"/>
           </a:p>
@@ -1753,6 +1742,7 @@
           <a:p>
             <a:fld id="{565CE74E-AB26-4998-AD42-012C4C1AD076}" type="slidenum">
               <a:rPr lang="zh-CN" altLang="en-US" smtClean="0"/>
+              <a:t>‹#›</a:t>
             </a:fld>
             <a:endParaRPr lang="zh-CN" altLang="en-US"/>
           </a:p>
@@ -1800,6 +1790,7 @@
           <a:p>
             <a:fld id="{D997B5FA-0921-464F-AAE1-844C04324D75}" type="datetimeFigureOut">
               <a:rPr lang="zh-CN" altLang="en-US" smtClean="0"/>
+              <a:t>2017/7/20</a:t>
             </a:fld>
             <a:endParaRPr lang="zh-CN" altLang="en-US"/>
           </a:p>
@@ -1841,6 +1832,7 @@
           <a:p>
             <a:fld id="{565CE74E-AB26-4998-AD42-012C4C1AD076}" type="slidenum">
               <a:rPr lang="zh-CN" altLang="en-US" smtClean="0"/>
+              <a:t>‹#›</a:t>
             </a:fld>
             <a:endParaRPr lang="zh-CN" altLang="en-US"/>
           </a:p>
@@ -1956,7 +1948,6 @@
               <a:rPr lang="zh-CN" altLang="en-US" smtClean="0"/>
               <a:t>单击此处编辑母版文本样式</a:t>
             </a:r>
-            <a:endParaRPr lang="zh-CN" altLang="en-US" smtClean="0"/>
           </a:p>
           <a:p>
             <a:pPr lvl="1"/>
@@ -1964,7 +1955,6 @@
               <a:rPr lang="zh-CN" altLang="en-US" smtClean="0"/>
               <a:t>第二级</a:t>
             </a:r>
-            <a:endParaRPr lang="zh-CN" altLang="en-US" smtClean="0"/>
           </a:p>
           <a:p>
             <a:pPr lvl="2"/>
@@ -1972,7 +1962,6 @@
               <a:rPr lang="zh-CN" altLang="en-US" smtClean="0"/>
               <a:t>第三级</a:t>
             </a:r>
-            <a:endParaRPr lang="zh-CN" altLang="en-US" smtClean="0"/>
           </a:p>
           <a:p>
             <a:pPr lvl="3"/>
@@ -1980,7 +1969,6 @@
               <a:rPr lang="zh-CN" altLang="en-US" smtClean="0"/>
               <a:t>第四级</a:t>
             </a:r>
-            <a:endParaRPr lang="zh-CN" altLang="en-US" smtClean="0"/>
           </a:p>
           <a:p>
             <a:pPr lvl="4"/>
@@ -2054,7 +2042,6 @@
               <a:rPr lang="zh-CN" altLang="en-US" smtClean="0"/>
               <a:t>单击此处编辑母版文本样式</a:t>
             </a:r>
-            <a:endParaRPr lang="zh-CN" altLang="en-US" smtClean="0"/>
           </a:p>
         </p:txBody>
       </p:sp>
@@ -2075,6 +2062,7 @@
           <a:p>
             <a:fld id="{D997B5FA-0921-464F-AAE1-844C04324D75}" type="datetimeFigureOut">
               <a:rPr lang="zh-CN" altLang="en-US" smtClean="0"/>
+              <a:t>2017/7/20</a:t>
             </a:fld>
             <a:endParaRPr lang="zh-CN" altLang="en-US"/>
           </a:p>
@@ -2116,6 +2104,7 @@
           <a:p>
             <a:fld id="{565CE74E-AB26-4998-AD42-012C4C1AD076}" type="slidenum">
               <a:rPr lang="zh-CN" altLang="en-US" smtClean="0"/>
+              <a:t>‹#›</a:t>
             </a:fld>
             <a:endParaRPr lang="zh-CN" altLang="en-US"/>
           </a:p>
@@ -2301,7 +2290,6 @@
               <a:rPr lang="zh-CN" altLang="en-US" smtClean="0"/>
               <a:t>单击此处编辑母版文本样式</a:t>
             </a:r>
-            <a:endParaRPr lang="zh-CN" altLang="en-US" smtClean="0"/>
           </a:p>
         </p:txBody>
       </p:sp>
@@ -2322,6 +2310,7 @@
           <a:p>
             <a:fld id="{D997B5FA-0921-464F-AAE1-844C04324D75}" type="datetimeFigureOut">
               <a:rPr lang="zh-CN" altLang="en-US" smtClean="0"/>
+              <a:t>2017/7/20</a:t>
             </a:fld>
             <a:endParaRPr lang="zh-CN" altLang="en-US"/>
           </a:p>
@@ -2363,6 +2352,7 @@
           <a:p>
             <a:fld id="{565CE74E-AB26-4998-AD42-012C4C1AD076}" type="slidenum">
               <a:rPr lang="zh-CN" altLang="en-US" smtClean="0"/>
+              <a:t>‹#›</a:t>
             </a:fld>
             <a:endParaRPr lang="zh-CN" altLang="en-US"/>
           </a:p>
@@ -2461,7 +2451,6 @@
               <a:rPr lang="zh-CN" altLang="en-US" smtClean="0"/>
               <a:t>单击此处编辑母版文本样式</a:t>
             </a:r>
-            <a:endParaRPr lang="zh-CN" altLang="en-US" smtClean="0"/>
           </a:p>
           <a:p>
             <a:pPr lvl="1"/>
@@ -2469,7 +2458,6 @@
               <a:rPr lang="zh-CN" altLang="en-US" smtClean="0"/>
               <a:t>第二级</a:t>
             </a:r>
-            <a:endParaRPr lang="zh-CN" altLang="en-US" smtClean="0"/>
           </a:p>
           <a:p>
             <a:pPr lvl="2"/>
@@ -2477,7 +2465,6 @@
               <a:rPr lang="zh-CN" altLang="en-US" smtClean="0"/>
               <a:t>第三级</a:t>
             </a:r>
-            <a:endParaRPr lang="zh-CN" altLang="en-US" smtClean="0"/>
           </a:p>
           <a:p>
             <a:pPr lvl="3"/>
@@ -2485,7 +2472,6 @@
               <a:rPr lang="zh-CN" altLang="en-US" smtClean="0"/>
               <a:t>第四级</a:t>
             </a:r>
-            <a:endParaRPr lang="zh-CN" altLang="en-US" smtClean="0"/>
           </a:p>
           <a:p>
             <a:pPr lvl="4"/>
@@ -2532,6 +2518,7 @@
           <a:p>
             <a:fld id="{D997B5FA-0921-464F-AAE1-844C04324D75}" type="datetimeFigureOut">
               <a:rPr lang="zh-CN" altLang="en-US" smtClean="0"/>
+              <a:t>2017/7/20</a:t>
             </a:fld>
             <a:endParaRPr lang="zh-CN" altLang="en-US"/>
           </a:p>
@@ -2609,6 +2596,7 @@
           <a:p>
             <a:fld id="{565CE74E-AB26-4998-AD42-012C4C1AD076}" type="slidenum">
               <a:rPr lang="zh-CN" altLang="en-US" smtClean="0"/>
+              <a:t>‹#›</a:t>
             </a:fld>
             <a:endParaRPr lang="zh-CN" altLang="en-US"/>
           </a:p>
@@ -2922,7 +2910,14 @@
         <p:cNvGrpSpPr/>
         <p:nvPr/>
       </p:nvGrpSpPr>
-      <p:grpSpPr/>
+      <p:grpSpPr>
+        <a:xfrm>
+          <a:off x="0" y="0"/>
+          <a:ext cx="0" cy="0"/>
+          <a:chOff x="0" y="0"/>
+          <a:chExt cx="0" cy="0"/>
+        </a:xfrm>
+      </p:grpSpPr>
       <p:sp>
         <p:nvSpPr>
           <p:cNvPr id="4" name="文本框 3"/>
@@ -2943,12 +2938,12 @@
           <a:bodyPr wrap="square" rtlCol="0" anchor="t">
             <a:spAutoFit/>
           </a:bodyPr>
+          <a:lstStyle/>
           <a:p>
             <a:r>
               <a:rPr lang="zh-CN" altLang="en-US"/>
               <a:t>第一步 注册</a:t>
             </a:r>
-            <a:endParaRPr lang="zh-CN" altLang="en-US"/>
           </a:p>
           <a:p>
             <a:endParaRPr lang="zh-CN" altLang="en-US"/>
@@ -2958,7 +2953,6 @@
               <a:rPr lang="zh-CN" altLang="en-US"/>
               <a:t>首先你需要 去bintray官网https://bintray.com/ 注册个账号,这里就不过多描述了.你可以的.</a:t>
             </a:r>
-            <a:endParaRPr lang="zh-CN" altLang="en-US"/>
           </a:p>
         </p:txBody>
       </p:sp>
@@ -2971,7 +2965,7 @@
           <p:nvPr/>
         </p:nvPicPr>
         <p:blipFill>
-          <a:blip r:embed="rId1"/>
+          <a:blip r:embed="rId2"/>
           <a:stretch>
             <a:fillRect/>
           </a:stretch>
@@ -3003,7 +2997,14 @@
         <p:cNvGrpSpPr/>
         <p:nvPr/>
       </p:nvGrpSpPr>
-      <p:grpSpPr/>
+      <p:grpSpPr>
+        <a:xfrm>
+          <a:off x="0" y="0"/>
+          <a:ext cx="0" cy="0"/>
+          <a:chOff x="0" y="0"/>
+          <a:chExt cx="0" cy="0"/>
+        </a:xfrm>
+      </p:grpSpPr>
       <p:sp>
         <p:nvSpPr>
           <p:cNvPr id="2" name="文本框 1"/>
@@ -3024,6 +3025,7 @@
           <a:bodyPr wrap="square" rtlCol="0" anchor="t">
             <a:spAutoFit/>
           </a:bodyPr>
+          <a:lstStyle/>
           <a:p>
             <a:r>
               <a:rPr lang="zh-CN" altLang="en-US"/>
@@ -3049,7 +3051,6 @@
               <a:rPr lang="zh-CN" altLang="en-US"/>
               <a:t> -PdryRun=false</a:t>
             </a:r>
-            <a:endParaRPr lang="zh-CN" altLang="en-US"/>
           </a:p>
         </p:txBody>
       </p:sp>
@@ -3062,7 +3063,7 @@
           <p:nvPr/>
         </p:nvPicPr>
         <p:blipFill>
-          <a:blip r:embed="rId1"/>
+          <a:blip r:embed="rId2"/>
           <a:stretch>
             <a:fillRect/>
           </a:stretch>
@@ -3097,6 +3098,7 @@
           <a:bodyPr wrap="square" rtlCol="0">
             <a:spAutoFit/>
           </a:bodyPr>
+          <a:lstStyle/>
           <a:p>
             <a:r>
               <a:rPr lang="zh-CN" altLang="en-US"/>
@@ -3110,7 +3112,6 @@
               <a:rPr lang="zh-CN" altLang="en-US"/>
               <a:t>个小时 期间各种错误 </a:t>
             </a:r>
-            <a:endParaRPr lang="zh-CN" altLang="en-US"/>
           </a:p>
         </p:txBody>
       </p:sp>
@@ -3131,7 +3132,14 @@
         <p:cNvGrpSpPr/>
         <p:nvPr/>
       </p:nvGrpSpPr>
-      <p:grpSpPr/>
+      <p:grpSpPr>
+        <a:xfrm>
+          <a:off x="0" y="0"/>
+          <a:ext cx="0" cy="0"/>
+          <a:chOff x="0" y="0"/>
+          <a:chExt cx="0" cy="0"/>
+        </a:xfrm>
+      </p:grpSpPr>
       <p:pic>
         <p:nvPicPr>
           <p:cNvPr id="2" name="图片 1"/>
@@ -3141,7 +3149,7 @@
           <p:nvPr/>
         </p:nvPicPr>
         <p:blipFill>
-          <a:blip r:embed="rId1"/>
+          <a:blip r:embed="rId2"/>
           <a:stretch>
             <a:fillRect/>
           </a:stretch>
@@ -3165,7 +3173,7 @@
           <p:nvPr/>
         </p:nvPicPr>
         <p:blipFill>
-          <a:blip r:embed="rId2"/>
+          <a:blip r:embed="rId3"/>
           <a:stretch>
             <a:fillRect/>
           </a:stretch>
@@ -3197,7 +3205,14 @@
         <p:cNvGrpSpPr/>
         <p:nvPr/>
       </p:nvGrpSpPr>
-      <p:grpSpPr/>
+      <p:grpSpPr>
+        <a:xfrm>
+          <a:off x="0" y="0"/>
+          <a:ext cx="0" cy="0"/>
+          <a:chOff x="0" y="0"/>
+          <a:chExt cx="0" cy="0"/>
+        </a:xfrm>
+      </p:grpSpPr>
       <p:pic>
         <p:nvPicPr>
           <p:cNvPr id="2" name="图片 1"/>
@@ -3207,7 +3222,7 @@
           <p:nvPr/>
         </p:nvPicPr>
         <p:blipFill>
-          <a:blip r:embed="rId1"/>
+          <a:blip r:embed="rId2"/>
           <a:stretch>
             <a:fillRect/>
           </a:stretch>
@@ -3242,6 +3257,7 @@
           <a:bodyPr wrap="square" rtlCol="0">
             <a:spAutoFit/>
           </a:bodyPr>
+          <a:lstStyle/>
           <a:p>
             <a:r>
               <a:rPr lang="zh-CN" altLang="en-US"/>
@@ -3251,7 +3267,6 @@
               <a:rPr lang="en-US" altLang="zh-CN"/>
               <a:t>add new repository</a:t>
             </a:r>
-            <a:endParaRPr lang="en-US" altLang="zh-CN"/>
           </a:p>
         </p:txBody>
       </p:sp>
@@ -3272,7 +3287,14 @@
         <p:cNvGrpSpPr/>
         <p:nvPr/>
       </p:nvGrpSpPr>
-      <p:grpSpPr/>
+      <p:grpSpPr>
+        <a:xfrm>
+          <a:off x="0" y="0"/>
+          <a:ext cx="0" cy="0"/>
+          <a:chOff x="0" y="0"/>
+          <a:chExt cx="0" cy="0"/>
+        </a:xfrm>
+      </p:grpSpPr>
       <p:pic>
         <p:nvPicPr>
           <p:cNvPr id="2" name="图片 1"/>
@@ -3282,7 +3304,7 @@
           <p:nvPr/>
         </p:nvPicPr>
         <p:blipFill>
-          <a:blip r:embed="rId1"/>
+          <a:blip r:embed="rId2"/>
           <a:stretch>
             <a:fillRect/>
           </a:stretch>
@@ -3314,7 +3336,14 @@
         <p:cNvGrpSpPr/>
         <p:nvPr/>
       </p:nvGrpSpPr>
-      <p:grpSpPr/>
+      <p:grpSpPr>
+        <a:xfrm>
+          <a:off x="0" y="0"/>
+          <a:ext cx="0" cy="0"/>
+          <a:chOff x="0" y="0"/>
+          <a:chExt cx="0" cy="0"/>
+        </a:xfrm>
+      </p:grpSpPr>
       <p:pic>
         <p:nvPicPr>
           <p:cNvPr id="2" name="图片 1"/>
@@ -3324,7 +3353,7 @@
           <p:nvPr/>
         </p:nvPicPr>
         <p:blipFill>
-          <a:blip r:embed="rId1"/>
+          <a:blip r:embed="rId2"/>
           <a:stretch>
             <a:fillRect/>
           </a:stretch>
@@ -3356,7 +3385,14 @@
         <p:cNvGrpSpPr/>
         <p:nvPr/>
       </p:nvGrpSpPr>
-      <p:grpSpPr/>
+      <p:grpSpPr>
+        <a:xfrm>
+          <a:off x="0" y="0"/>
+          <a:ext cx="0" cy="0"/>
+          <a:chOff x="0" y="0"/>
+          <a:chExt cx="0" cy="0"/>
+        </a:xfrm>
+      </p:grpSpPr>
       <p:pic>
         <p:nvPicPr>
           <p:cNvPr id="2" name="图片 1"/>
@@ -3366,7 +3402,7 @@
           <p:nvPr/>
         </p:nvPicPr>
         <p:blipFill>
-          <a:blip r:embed="rId1"/>
+          <a:blip r:embed="rId2"/>
           <a:stretch>
             <a:fillRect/>
           </a:stretch>
@@ -3401,19 +3437,18 @@
           <a:bodyPr wrap="square" rtlCol="0">
             <a:spAutoFit/>
           </a:bodyPr>
+          <a:lstStyle/>
           <a:p>
             <a:r>
               <a:rPr lang="zh-CN" altLang="en-US"/>
               <a:t>至此准备工作结束</a:t>
             </a:r>
-            <a:endParaRPr lang="zh-CN" altLang="en-US"/>
           </a:p>
           <a:p>
             <a:r>
               <a:rPr lang="zh-CN" altLang="en-US"/>
               <a:t>记录下相关信息</a:t>
             </a:r>
-            <a:endParaRPr lang="zh-CN" altLang="en-US"/>
           </a:p>
           <a:p>
             <a:r>
@@ -3424,7 +3459,6 @@
               <a:rPr lang="en-US" altLang="zh-CN"/>
               <a:t>id</a:t>
             </a:r>
-            <a:endParaRPr lang="en-US" altLang="zh-CN"/>
           </a:p>
           <a:p>
             <a:r>
@@ -3435,14 +3469,12 @@
               <a:rPr lang="en-US" altLang="zh-CN"/>
               <a:t>key</a:t>
             </a:r>
-            <a:endParaRPr lang="en-US" altLang="zh-CN"/>
           </a:p>
           <a:p>
             <a:r>
               <a:rPr lang="zh-CN" altLang="en-US"/>
               <a:t>以及左边这里的artifactId</a:t>
             </a:r>
-            <a:endParaRPr lang="zh-CN" altLang="en-US"/>
           </a:p>
         </p:txBody>
       </p:sp>
@@ -3463,7 +3495,14 @@
         <p:cNvGrpSpPr/>
         <p:nvPr/>
       </p:nvGrpSpPr>
-      <p:grpSpPr/>
+      <p:grpSpPr>
+        <a:xfrm>
+          <a:off x="0" y="0"/>
+          <a:ext cx="0" cy="0"/>
+          <a:chOff x="0" y="0"/>
+          <a:chExt cx="0" cy="0"/>
+        </a:xfrm>
+      </p:grpSpPr>
       <p:pic>
         <p:nvPicPr>
           <p:cNvPr id="2" name="图片 1"/>
@@ -3473,7 +3512,7 @@
           <p:nvPr/>
         </p:nvPicPr>
         <p:blipFill>
-          <a:blip r:embed="rId1"/>
+          <a:blip r:embed="rId2"/>
           <a:stretch>
             <a:fillRect/>
           </a:stretch>
@@ -3508,12 +3547,12 @@
           <a:bodyPr wrap="square" rtlCol="0">
             <a:spAutoFit/>
           </a:bodyPr>
+          <a:lstStyle/>
           <a:p>
             <a:r>
               <a:rPr lang="zh-CN" altLang="en-US"/>
               <a:t>在此处引用此插件 classpath 'com.novoda:bintray-release:0.4.0'</a:t>
             </a:r>
-            <a:endParaRPr lang="zh-CN" altLang="en-US"/>
           </a:p>
         </p:txBody>
       </p:sp>
@@ -3534,7 +3573,14 @@
         <p:cNvGrpSpPr/>
         <p:nvPr/>
       </p:nvGrpSpPr>
-      <p:grpSpPr/>
+      <p:grpSpPr>
+        <a:xfrm>
+          <a:off x="0" y="0"/>
+          <a:ext cx="0" cy="0"/>
+          <a:chOff x="0" y="0"/>
+          <a:chExt cx="0" cy="0"/>
+        </a:xfrm>
+      </p:grpSpPr>
       <p:pic>
         <p:nvPicPr>
           <p:cNvPr id="2" name="图片 1"/>
@@ -3544,7 +3590,7 @@
           <p:nvPr/>
         </p:nvPicPr>
         <p:blipFill>
-          <a:blip r:embed="rId1"/>
+          <a:blip r:embed="rId2"/>
           <a:stretch>
             <a:fillRect/>
           </a:stretch>
@@ -3579,12 +3625,12 @@
           <a:bodyPr wrap="square" rtlCol="0">
             <a:spAutoFit/>
           </a:bodyPr>
+          <a:lstStyle/>
           <a:p>
             <a:r>
               <a:rPr lang="zh-CN" altLang="en-US"/>
               <a:t>项目中加入这些 </a:t>
             </a:r>
-            <a:endParaRPr lang="zh-CN" altLang="en-US"/>
           </a:p>
         </p:txBody>
       </p:sp>
@@ -3605,7 +3651,14 @@
         <p:cNvGrpSpPr/>
         <p:nvPr/>
       </p:nvGrpSpPr>
-      <p:grpSpPr/>
+      <p:grpSpPr>
+        <a:xfrm>
+          <a:off x="0" y="0"/>
+          <a:ext cx="0" cy="0"/>
+          <a:chOff x="0" y="0"/>
+          <a:chExt cx="0" cy="0"/>
+        </a:xfrm>
+      </p:grpSpPr>
       <p:sp>
         <p:nvSpPr>
           <p:cNvPr id="2" name="文本框 1"/>
@@ -3626,173 +3679,163 @@
           <a:bodyPr wrap="square" rtlCol="0" anchor="t">
             <a:spAutoFit/>
           </a:bodyPr>
-          <a:p>
-            <a:r>
-              <a:rPr lang="zh-CN" altLang="en-US" sz="1200"/>
+          <a:lstStyle/>
+          <a:p>
+            <a:r>
+              <a:rPr lang="zh-CN" altLang="en-US" sz="1200" dirty="0"/>
               <a:t>。。。</a:t>
             </a:r>
-            <a:endParaRPr lang="zh-CN" altLang="en-US" sz="1200"/>
-          </a:p>
-          <a:p>
-            <a:r>
-              <a:rPr lang="zh-CN" altLang="en-US" sz="1200"/>
+          </a:p>
+          <a:p>
+            <a:r>
+              <a:rPr lang="zh-CN" altLang="en-US" sz="1200" dirty="0"/>
               <a:t>apply plugin: 'com.novoda.bintray-release'</a:t>
             </a:r>
-            <a:endParaRPr lang="zh-CN" altLang="en-US" sz="1200"/>
-          </a:p>
-          <a:p>
-            <a:endParaRPr lang="zh-CN" altLang="en-US" sz="1200"/>
-          </a:p>
-          <a:p>
-            <a:r>
-              <a:rPr lang="zh-CN" altLang="en-US" sz="1200"/>
+          </a:p>
+          <a:p>
+            <a:endParaRPr lang="zh-CN" altLang="en-US" sz="1200" dirty="0"/>
+          </a:p>
+          <a:p>
+            <a:r>
+              <a:rPr lang="zh-CN" altLang="en-US" sz="1200" dirty="0"/>
               <a:t>android {</a:t>
             </a:r>
-            <a:endParaRPr lang="zh-CN" altLang="en-US" sz="1200"/>
-          </a:p>
-          <a:p>
-            <a:r>
-              <a:rPr lang="en-US" altLang="zh-CN" sz="1200"/>
+          </a:p>
+          <a:p>
+            <a:r>
+              <a:rPr lang="en-US" altLang="zh-CN" sz="1200" dirty="0"/>
               <a:t>   </a:t>
             </a:r>
             <a:r>
-              <a:rPr lang="zh-CN" altLang="en-US" sz="1200"/>
+              <a:rPr lang="zh-CN" altLang="en-US" sz="1200" dirty="0"/>
               <a:t>。。。</a:t>
             </a:r>
-            <a:endParaRPr lang="zh-CN" altLang="en-US" sz="1200"/>
-          </a:p>
-          <a:p>
-            <a:r>
-              <a:rPr lang="zh-CN" altLang="en-US" sz="1200"/>
+          </a:p>
+          <a:p>
+            <a:r>
+              <a:rPr lang="zh-CN" altLang="en-US" sz="1200" dirty="0"/>
               <a:t>    lintOptions { //防止其他一些错误</a:t>
             </a:r>
-            <a:endParaRPr lang="zh-CN" altLang="en-US" sz="1200"/>
-          </a:p>
-          <a:p>
-            <a:r>
-              <a:rPr lang="zh-CN" altLang="en-US" sz="1200"/>
+          </a:p>
+          <a:p>
+            <a:r>
+              <a:rPr lang="zh-CN" altLang="en-US" sz="1200" dirty="0"/>
               <a:t>        abortOnError false</a:t>
             </a:r>
-            <a:endParaRPr lang="zh-CN" altLang="en-US" sz="1200"/>
-          </a:p>
-          <a:p>
-            <a:r>
-              <a:rPr lang="zh-CN" altLang="en-US" sz="1200"/>
+          </a:p>
+          <a:p>
+            <a:r>
+              <a:rPr lang="zh-CN" altLang="en-US" sz="1200" dirty="0"/>
               <a:t>        checkReleaseBuilds false</a:t>
             </a:r>
-            <a:endParaRPr lang="zh-CN" altLang="en-US" sz="1200"/>
-          </a:p>
-          <a:p>
-            <a:r>
-              <a:rPr lang="zh-CN" altLang="en-US" sz="1200"/>
+          </a:p>
+          <a:p>
+            <a:r>
+              <a:rPr lang="zh-CN" altLang="en-US" sz="1200" dirty="0"/>
               <a:t>    }</a:t>
             </a:r>
-            <a:endParaRPr lang="zh-CN" altLang="en-US" sz="1200"/>
-          </a:p>
-          <a:p>
-            <a:r>
-              <a:rPr lang="zh-CN" altLang="en-US" sz="1200"/>
+          </a:p>
+          <a:p>
+            <a:r>
+              <a:rPr lang="zh-CN" altLang="en-US" sz="1200" dirty="0"/>
               <a:t>}</a:t>
             </a:r>
-            <a:endParaRPr lang="zh-CN" altLang="en-US" sz="1200"/>
-          </a:p>
-          <a:p>
-            <a:r>
-              <a:rPr lang="zh-CN" altLang="en-US" sz="1200"/>
+          </a:p>
+          <a:p>
+            <a:r>
+              <a:rPr lang="zh-CN" altLang="en-US" sz="1200" dirty="0"/>
               <a:t>publish {</a:t>
             </a:r>
-            <a:endParaRPr lang="zh-CN" altLang="en-US" sz="1200"/>
-          </a:p>
-          <a:p>
-            <a:r>
-              <a:rPr lang="zh-CN" altLang="en-US" sz="1200"/>
+          </a:p>
+          <a:p>
+            <a:r>
+              <a:rPr lang="zh-CN" altLang="en-US" sz="1200" dirty="0"/>
               <a:t>    userOrg = 'srxffcc1'//bintray网的用户id</a:t>
             </a:r>
-            <a:endParaRPr lang="zh-CN" altLang="en-US" sz="1200"/>
-          </a:p>
-          <a:p>
-            <a:r>
-              <a:rPr lang="zh-CN" altLang="en-US" sz="1200"/>
+          </a:p>
+          <a:p>
+            <a:r>
+              <a:rPr lang="zh-CN" altLang="en-US" sz="1200" dirty="0"/>
               <a:t>    groupId = 'com.srxdrop.un7zip'//自己定义一个唯一的java的包名</a:t>
             </a:r>
-            <a:endParaRPr lang="zh-CN" altLang="en-US" sz="1200"/>
-          </a:p>
-          <a:p>
-            <a:r>
-              <a:rPr lang="zh-CN" altLang="en-US" sz="1200"/>
-              <a:t>    artifactId = 'srxdrop'//在bintray上的package名字</a:t>
-            </a:r>
-            <a:endParaRPr lang="zh-CN" altLang="en-US" sz="1200"/>
-          </a:p>
-          <a:p>
-            <a:r>
-              <a:rPr lang="zh-CN" altLang="en-US" sz="1200"/>
+          </a:p>
+          <a:p>
+            <a:r>
+              <a:rPr lang="zh-CN" altLang="en-US" sz="1200" dirty="0"/>
+              <a:t>    artifactId = </a:t>
+            </a:r>
+            <a:r>
+              <a:rPr lang="zh-CN" altLang="en-US" sz="1200" dirty="0"/>
+              <a:t>' un7</a:t>
+            </a:r>
+            <a:r>
+              <a:rPr lang="zh-CN" altLang="en-US" sz="1200" dirty="0" smtClean="0"/>
+              <a:t>zip'//</a:t>
+            </a:r>
+            <a:r>
+              <a:rPr lang="zh-CN" altLang="en-US" sz="1200" dirty="0"/>
+              <a:t>在bintray上的package名字</a:t>
+            </a:r>
+          </a:p>
+          <a:p>
+            <a:r>
+              <a:rPr lang="zh-CN" altLang="en-US" sz="1200" dirty="0"/>
               <a:t>    publishVersion = '1.0.0'//版本号</a:t>
             </a:r>
-            <a:endParaRPr lang="zh-CN" altLang="en-US" sz="1200"/>
-          </a:p>
-          <a:p>
-            <a:r>
-              <a:rPr lang="zh-CN" altLang="en-US" sz="1200"/>
+          </a:p>
+          <a:p>
+            <a:r>
+              <a:rPr lang="zh-CN" altLang="en-US" sz="1200" dirty="0"/>
               <a:t>    desc = 'just upload this and ?'//描述，不重要</a:t>
             </a:r>
-            <a:endParaRPr lang="zh-CN" altLang="en-US" sz="1200"/>
-          </a:p>
-          <a:p>
-            <a:r>
-              <a:rPr lang="zh-CN" altLang="en-US" sz="1200"/>
+          </a:p>
+          <a:p>
+            <a:r>
+              <a:rPr lang="zh-CN" altLang="en-US" sz="1200" dirty="0"/>
               <a:t>    website = 'https://github.com/srxffcc1/un7zip'//网站，不重要；尽量模拟github上的地址，例如我这样的；当然你有地址最好了</a:t>
             </a:r>
-            <a:endParaRPr lang="zh-CN" altLang="en-US" sz="1200"/>
-          </a:p>
-          <a:p>
-            <a:r>
-              <a:rPr lang="zh-CN" altLang="en-US" sz="1200"/>
+          </a:p>
+          <a:p>
+            <a:r>
+              <a:rPr lang="zh-CN" altLang="en-US" sz="1200" dirty="0"/>
               <a:t>    licences = ['Apache-2.0']//协议</a:t>
             </a:r>
-            <a:endParaRPr lang="zh-CN" altLang="en-US" sz="1200"/>
-          </a:p>
-          <a:p>
-            <a:r>
-              <a:rPr lang="zh-CN" altLang="en-US" sz="1200"/>
+          </a:p>
+          <a:p>
+            <a:r>
+              <a:rPr lang="zh-CN" altLang="en-US" sz="1200" dirty="0"/>
               <a:t>}</a:t>
             </a:r>
-            <a:endParaRPr lang="zh-CN" altLang="en-US" sz="1200"/>
-          </a:p>
-          <a:p>
-            <a:r>
-              <a:rPr lang="zh-CN" altLang="en-US" sz="1200"/>
+          </a:p>
+          <a:p>
+            <a:r>
+              <a:rPr lang="zh-CN" altLang="en-US" sz="1200" dirty="0"/>
               <a:t>tasks.withType(Javadoc) { //防止doc错误</a:t>
             </a:r>
-            <a:endParaRPr lang="zh-CN" altLang="en-US" sz="1200"/>
-          </a:p>
-          <a:p>
-            <a:r>
-              <a:rPr lang="zh-CN" altLang="en-US" sz="1200"/>
+          </a:p>
+          <a:p>
+            <a:r>
+              <a:rPr lang="zh-CN" altLang="en-US" sz="1200" dirty="0"/>
               <a:t>    options.addStringOption('Xdoclint:none', '-quiet')</a:t>
             </a:r>
-            <a:endParaRPr lang="zh-CN" altLang="en-US" sz="1200"/>
-          </a:p>
-          <a:p>
-            <a:r>
-              <a:rPr lang="zh-CN" altLang="en-US" sz="1200"/>
+          </a:p>
+          <a:p>
+            <a:r>
+              <a:rPr lang="zh-CN" altLang="en-US" sz="1200" dirty="0"/>
               <a:t>    options.addStringOption('encoding', 'UTF-8')</a:t>
             </a:r>
-            <a:endParaRPr lang="zh-CN" altLang="en-US" sz="1200"/>
-          </a:p>
-          <a:p>
-            <a:r>
-              <a:rPr lang="zh-CN" altLang="en-US" sz="1200"/>
+          </a:p>
+          <a:p>
+            <a:r>
+              <a:rPr lang="zh-CN" altLang="en-US" sz="1200" dirty="0"/>
               <a:t>    options.addStringOption('charSet', 'UTF-8')</a:t>
             </a:r>
-            <a:endParaRPr lang="zh-CN" altLang="en-US" sz="1200"/>
-          </a:p>
-          <a:p>
-            <a:r>
-              <a:rPr lang="zh-CN" altLang="en-US" sz="1200"/>
+          </a:p>
+          <a:p>
+            <a:r>
+              <a:rPr lang="zh-CN" altLang="en-US" sz="1200" dirty="0"/>
               <a:t>}</a:t>
             </a:r>
-            <a:endParaRPr lang="zh-CN" altLang="en-US" sz="1200"/>
           </a:p>
         </p:txBody>
       </p:sp>

--- a/如何将项目打包传到jcenter上.pptx
+++ b/如何将项目打包传到jcenter上.pptx
@@ -252,7 +252,7 @@
           <a:p>
             <a:fld id="{D997B5FA-0921-464F-AAE1-844C04324D75}" type="datetimeFigureOut">
               <a:rPr lang="zh-CN" altLang="en-US" smtClean="0"/>
-              <a:t>2017/7/20</a:t>
+              <a:t>2017/7/21</a:t>
             </a:fld>
             <a:endParaRPr lang="zh-CN" altLang="en-US"/>
           </a:p>
@@ -417,7 +417,7 @@
           <a:p>
             <a:fld id="{D997B5FA-0921-464F-AAE1-844C04324D75}" type="datetimeFigureOut">
               <a:rPr lang="zh-CN" altLang="en-US" smtClean="0"/>
-              <a:t>2017/7/20</a:t>
+              <a:t>2017/7/21</a:t>
             </a:fld>
             <a:endParaRPr lang="zh-CN" altLang="en-US"/>
           </a:p>
@@ -592,7 +592,7 @@
           <a:p>
             <a:fld id="{D997B5FA-0921-464F-AAE1-844C04324D75}" type="datetimeFigureOut">
               <a:rPr lang="zh-CN" altLang="en-US" smtClean="0"/>
-              <a:t>2017/7/20</a:t>
+              <a:t>2017/7/21</a:t>
             </a:fld>
             <a:endParaRPr lang="zh-CN" altLang="en-US"/>
           </a:p>
@@ -757,7 +757,7 @@
           <a:p>
             <a:fld id="{D997B5FA-0921-464F-AAE1-844C04324D75}" type="datetimeFigureOut">
               <a:rPr lang="zh-CN" altLang="en-US" smtClean="0"/>
-              <a:t>2017/7/20</a:t>
+              <a:t>2017/7/21</a:t>
             </a:fld>
             <a:endParaRPr lang="zh-CN" altLang="en-US"/>
           </a:p>
@@ -998,7 +998,7 @@
           <a:p>
             <a:fld id="{D997B5FA-0921-464F-AAE1-844C04324D75}" type="datetimeFigureOut">
               <a:rPr lang="zh-CN" altLang="en-US" smtClean="0"/>
-              <a:t>2017/7/20</a:t>
+              <a:t>2017/7/21</a:t>
             </a:fld>
             <a:endParaRPr lang="zh-CN" altLang="en-US"/>
           </a:p>
@@ -1225,7 +1225,7 @@
           <a:p>
             <a:fld id="{D997B5FA-0921-464F-AAE1-844C04324D75}" type="datetimeFigureOut">
               <a:rPr lang="zh-CN" altLang="en-US" smtClean="0"/>
-              <a:t>2017/7/20</a:t>
+              <a:t>2017/7/21</a:t>
             </a:fld>
             <a:endParaRPr lang="zh-CN" altLang="en-US"/>
           </a:p>
@@ -1587,7 +1587,7 @@
           <a:p>
             <a:fld id="{D997B5FA-0921-464F-AAE1-844C04324D75}" type="datetimeFigureOut">
               <a:rPr lang="zh-CN" altLang="en-US" smtClean="0"/>
-              <a:t>2017/7/20</a:t>
+              <a:t>2017/7/21</a:t>
             </a:fld>
             <a:endParaRPr lang="zh-CN" altLang="en-US"/>
           </a:p>
@@ -1700,7 +1700,7 @@
           <a:p>
             <a:fld id="{D997B5FA-0921-464F-AAE1-844C04324D75}" type="datetimeFigureOut">
               <a:rPr lang="zh-CN" altLang="en-US" smtClean="0"/>
-              <a:t>2017/7/20</a:t>
+              <a:t>2017/7/21</a:t>
             </a:fld>
             <a:endParaRPr lang="zh-CN" altLang="en-US"/>
           </a:p>
@@ -1790,7 +1790,7 @@
           <a:p>
             <a:fld id="{D997B5FA-0921-464F-AAE1-844C04324D75}" type="datetimeFigureOut">
               <a:rPr lang="zh-CN" altLang="en-US" smtClean="0"/>
-              <a:t>2017/7/20</a:t>
+              <a:t>2017/7/21</a:t>
             </a:fld>
             <a:endParaRPr lang="zh-CN" altLang="en-US"/>
           </a:p>
@@ -2062,7 +2062,7 @@
           <a:p>
             <a:fld id="{D997B5FA-0921-464F-AAE1-844C04324D75}" type="datetimeFigureOut">
               <a:rPr lang="zh-CN" altLang="en-US" smtClean="0"/>
-              <a:t>2017/7/20</a:t>
+              <a:t>2017/7/21</a:t>
             </a:fld>
             <a:endParaRPr lang="zh-CN" altLang="en-US"/>
           </a:p>
@@ -2310,7 +2310,7 @@
           <a:p>
             <a:fld id="{D997B5FA-0921-464F-AAE1-844C04324D75}" type="datetimeFigureOut">
               <a:rPr lang="zh-CN" altLang="en-US" smtClean="0"/>
-              <a:t>2017/7/20</a:t>
+              <a:t>2017/7/21</a:t>
             </a:fld>
             <a:endParaRPr lang="zh-CN" altLang="en-US"/>
           </a:p>
@@ -2518,7 +2518,7 @@
           <a:p>
             <a:fld id="{D997B5FA-0921-464F-AAE1-844C04324D75}" type="datetimeFigureOut">
               <a:rPr lang="zh-CN" altLang="en-US" smtClean="0"/>
-              <a:t>2017/7/20</a:t>
+              <a:t>2017/7/21</a:t>
             </a:fld>
             <a:endParaRPr lang="zh-CN" altLang="en-US"/>
           </a:p>
@@ -3668,7 +3668,7 @@
         <p:spPr>
           <a:xfrm>
             <a:off x="1155065" y="1040765"/>
-            <a:ext cx="10031095" cy="4480560"/>
+            <a:ext cx="10031095" cy="5078313"/>
           </a:xfrm>
           <a:prstGeom prst="rect">
             <a:avLst/>
@@ -3762,11 +3762,7 @@
           <a:p>
             <a:r>
               <a:rPr lang="zh-CN" altLang="en-US" sz="1200" dirty="0"/>
-              <a:t>    artifactId = </a:t>
-            </a:r>
-            <a:r>
-              <a:rPr lang="zh-CN" altLang="en-US" sz="1200" dirty="0"/>
-              <a:t>' un7</a:t>
+              <a:t>    artifactId = ' un7</a:t>
             </a:r>
             <a:r>
               <a:rPr lang="zh-CN" altLang="en-US" sz="1200" dirty="0" smtClean="0"/>
@@ -3833,9 +3829,49 @@
           </a:p>
           <a:p>
             <a:r>
-              <a:rPr lang="zh-CN" altLang="en-US" sz="1200" dirty="0"/>
+              <a:rPr lang="zh-CN" altLang="en-US" sz="1200" dirty="0" smtClean="0"/>
               <a:t>}</a:t>
             </a:r>
+            <a:endParaRPr lang="en-US" altLang="zh-CN" sz="1200" dirty="0" smtClean="0"/>
+          </a:p>
+          <a:p>
+            <a:r>
+              <a:rPr lang="en-US" altLang="zh-CN" sz="1200" dirty="0" err="1"/>
+              <a:t>tasks.withType</a:t>
+            </a:r>
+            <a:r>
+              <a:rPr lang="en-US" altLang="zh-CN" sz="1200" dirty="0"/>
+              <a:t>(</a:t>
+            </a:r>
+            <a:r>
+              <a:rPr lang="en-US" altLang="zh-CN" sz="1200" dirty="0" err="1"/>
+              <a:t>JavaCompile</a:t>
+            </a:r>
+            <a:r>
+              <a:rPr lang="en-US" altLang="zh-CN" sz="1200" dirty="0"/>
+              <a:t>) {</a:t>
+            </a:r>
+          </a:p>
+          <a:p>
+            <a:r>
+              <a:rPr lang="en-US" altLang="zh-CN" sz="1200" dirty="0"/>
+              <a:t>    </a:t>
+            </a:r>
+            <a:r>
+              <a:rPr lang="en-US" altLang="zh-CN" sz="1200" dirty="0" err="1"/>
+              <a:t>options.encoding</a:t>
+            </a:r>
+            <a:r>
+              <a:rPr lang="en-US" altLang="zh-CN" sz="1200" dirty="0"/>
+              <a:t> = "UTF-8"</a:t>
+            </a:r>
+          </a:p>
+          <a:p>
+            <a:r>
+              <a:rPr lang="en-US" altLang="zh-CN" sz="1200"/>
+              <a:t>}</a:t>
+            </a:r>
+            <a:endParaRPr lang="zh-CN" altLang="en-US" sz="1200" dirty="0"/>
           </a:p>
         </p:txBody>
       </p:sp>

--- a/如何将项目打包传到jcenter上.pptx
+++ b/如何将项目打包传到jcenter上.pptx
@@ -252,7 +252,7 @@
           <a:p>
             <a:fld id="{D997B5FA-0921-464F-AAE1-844C04324D75}" type="datetimeFigureOut">
               <a:rPr lang="zh-CN" altLang="en-US" smtClean="0"/>
-              <a:t>2017/7/21</a:t>
+              <a:t>2017/8/4</a:t>
             </a:fld>
             <a:endParaRPr lang="zh-CN" altLang="en-US"/>
           </a:p>
@@ -417,7 +417,7 @@
           <a:p>
             <a:fld id="{D997B5FA-0921-464F-AAE1-844C04324D75}" type="datetimeFigureOut">
               <a:rPr lang="zh-CN" altLang="en-US" smtClean="0"/>
-              <a:t>2017/7/21</a:t>
+              <a:t>2017/8/4</a:t>
             </a:fld>
             <a:endParaRPr lang="zh-CN" altLang="en-US"/>
           </a:p>
@@ -592,7 +592,7 @@
           <a:p>
             <a:fld id="{D997B5FA-0921-464F-AAE1-844C04324D75}" type="datetimeFigureOut">
               <a:rPr lang="zh-CN" altLang="en-US" smtClean="0"/>
-              <a:t>2017/7/21</a:t>
+              <a:t>2017/8/4</a:t>
             </a:fld>
             <a:endParaRPr lang="zh-CN" altLang="en-US"/>
           </a:p>
@@ -757,7 +757,7 @@
           <a:p>
             <a:fld id="{D997B5FA-0921-464F-AAE1-844C04324D75}" type="datetimeFigureOut">
               <a:rPr lang="zh-CN" altLang="en-US" smtClean="0"/>
-              <a:t>2017/7/21</a:t>
+              <a:t>2017/8/4</a:t>
             </a:fld>
             <a:endParaRPr lang="zh-CN" altLang="en-US"/>
           </a:p>
@@ -998,7 +998,7 @@
           <a:p>
             <a:fld id="{D997B5FA-0921-464F-AAE1-844C04324D75}" type="datetimeFigureOut">
               <a:rPr lang="zh-CN" altLang="en-US" smtClean="0"/>
-              <a:t>2017/7/21</a:t>
+              <a:t>2017/8/4</a:t>
             </a:fld>
             <a:endParaRPr lang="zh-CN" altLang="en-US"/>
           </a:p>
@@ -1225,7 +1225,7 @@
           <a:p>
             <a:fld id="{D997B5FA-0921-464F-AAE1-844C04324D75}" type="datetimeFigureOut">
               <a:rPr lang="zh-CN" altLang="en-US" smtClean="0"/>
-              <a:t>2017/7/21</a:t>
+              <a:t>2017/8/4</a:t>
             </a:fld>
             <a:endParaRPr lang="zh-CN" altLang="en-US"/>
           </a:p>
@@ -1587,7 +1587,7 @@
           <a:p>
             <a:fld id="{D997B5FA-0921-464F-AAE1-844C04324D75}" type="datetimeFigureOut">
               <a:rPr lang="zh-CN" altLang="en-US" smtClean="0"/>
-              <a:t>2017/7/21</a:t>
+              <a:t>2017/8/4</a:t>
             </a:fld>
             <a:endParaRPr lang="zh-CN" altLang="en-US"/>
           </a:p>
@@ -1700,7 +1700,7 @@
           <a:p>
             <a:fld id="{D997B5FA-0921-464F-AAE1-844C04324D75}" type="datetimeFigureOut">
               <a:rPr lang="zh-CN" altLang="en-US" smtClean="0"/>
-              <a:t>2017/7/21</a:t>
+              <a:t>2017/8/4</a:t>
             </a:fld>
             <a:endParaRPr lang="zh-CN" altLang="en-US"/>
           </a:p>
@@ -1790,7 +1790,7 @@
           <a:p>
             <a:fld id="{D997B5FA-0921-464F-AAE1-844C04324D75}" type="datetimeFigureOut">
               <a:rPr lang="zh-CN" altLang="en-US" smtClean="0"/>
-              <a:t>2017/7/21</a:t>
+              <a:t>2017/8/4</a:t>
             </a:fld>
             <a:endParaRPr lang="zh-CN" altLang="en-US"/>
           </a:p>
@@ -2062,7 +2062,7 @@
           <a:p>
             <a:fld id="{D997B5FA-0921-464F-AAE1-844C04324D75}" type="datetimeFigureOut">
               <a:rPr lang="zh-CN" altLang="en-US" smtClean="0"/>
-              <a:t>2017/7/21</a:t>
+              <a:t>2017/8/4</a:t>
             </a:fld>
             <a:endParaRPr lang="zh-CN" altLang="en-US"/>
           </a:p>
@@ -2310,7 +2310,7 @@
           <a:p>
             <a:fld id="{D997B5FA-0921-464F-AAE1-844C04324D75}" type="datetimeFigureOut">
               <a:rPr lang="zh-CN" altLang="en-US" smtClean="0"/>
-              <a:t>2017/7/21</a:t>
+              <a:t>2017/8/4</a:t>
             </a:fld>
             <a:endParaRPr lang="zh-CN" altLang="en-US"/>
           </a:p>
@@ -2518,7 +2518,7 @@
           <a:p>
             <a:fld id="{D997B5FA-0921-464F-AAE1-844C04324D75}" type="datetimeFigureOut">
               <a:rPr lang="zh-CN" altLang="en-US" smtClean="0"/>
-              <a:t>2017/7/21</a:t>
+              <a:t>2017/8/4</a:t>
             </a:fld>
             <a:endParaRPr lang="zh-CN" altLang="en-US"/>
           </a:p>
@@ -3762,7 +3762,19 @@
           <a:p>
             <a:r>
               <a:rPr lang="zh-CN" altLang="en-US" sz="1200" dirty="0"/>
-              <a:t>    artifactId = ' un7</a:t>
+              <a:t>    artifactId </a:t>
+            </a:r>
+            <a:r>
+              <a:rPr lang="zh-CN" altLang="en-US" sz="1200"/>
+              <a:t>= </a:t>
+            </a:r>
+            <a:r>
+              <a:rPr lang="zh-CN" altLang="en-US" sz="1200" smtClean="0"/>
+              <a:t>'un</a:t>
+            </a:r>
+            <a:r>
+              <a:rPr lang="zh-CN" altLang="en-US" sz="1200" dirty="0"/>
+              <a:t>7</a:t>
             </a:r>
             <a:r>
               <a:rPr lang="zh-CN" altLang="en-US" sz="1200" dirty="0" smtClean="0"/>
@@ -3868,7 +3880,7 @@
           </a:p>
           <a:p>
             <a:r>
-              <a:rPr lang="en-US" altLang="zh-CN" sz="1200"/>
+              <a:rPr lang="en-US" altLang="zh-CN" sz="1200" dirty="0"/>
               <a:t>}</a:t>
             </a:r>
             <a:endParaRPr lang="zh-CN" altLang="en-US" sz="1200" dirty="0"/>

--- a/如何将项目打包传到jcenter上.pptx
+++ b/如何将项目打包传到jcenter上.pptx
@@ -252,7 +252,7 @@
           <a:p>
             <a:fld id="{D997B5FA-0921-464F-AAE1-844C04324D75}" type="datetimeFigureOut">
               <a:rPr lang="zh-CN" altLang="en-US" smtClean="0"/>
-              <a:t>2017/8/4</a:t>
+              <a:t>2017/8/14</a:t>
             </a:fld>
             <a:endParaRPr lang="zh-CN" altLang="en-US"/>
           </a:p>
@@ -417,7 +417,7 @@
           <a:p>
             <a:fld id="{D997B5FA-0921-464F-AAE1-844C04324D75}" type="datetimeFigureOut">
               <a:rPr lang="zh-CN" altLang="en-US" smtClean="0"/>
-              <a:t>2017/8/4</a:t>
+              <a:t>2017/8/14</a:t>
             </a:fld>
             <a:endParaRPr lang="zh-CN" altLang="en-US"/>
           </a:p>
@@ -592,7 +592,7 @@
           <a:p>
             <a:fld id="{D997B5FA-0921-464F-AAE1-844C04324D75}" type="datetimeFigureOut">
               <a:rPr lang="zh-CN" altLang="en-US" smtClean="0"/>
-              <a:t>2017/8/4</a:t>
+              <a:t>2017/8/14</a:t>
             </a:fld>
             <a:endParaRPr lang="zh-CN" altLang="en-US"/>
           </a:p>
@@ -757,7 +757,7 @@
           <a:p>
             <a:fld id="{D997B5FA-0921-464F-AAE1-844C04324D75}" type="datetimeFigureOut">
               <a:rPr lang="zh-CN" altLang="en-US" smtClean="0"/>
-              <a:t>2017/8/4</a:t>
+              <a:t>2017/8/14</a:t>
             </a:fld>
             <a:endParaRPr lang="zh-CN" altLang="en-US"/>
           </a:p>
@@ -998,7 +998,7 @@
           <a:p>
             <a:fld id="{D997B5FA-0921-464F-AAE1-844C04324D75}" type="datetimeFigureOut">
               <a:rPr lang="zh-CN" altLang="en-US" smtClean="0"/>
-              <a:t>2017/8/4</a:t>
+              <a:t>2017/8/14</a:t>
             </a:fld>
             <a:endParaRPr lang="zh-CN" altLang="en-US"/>
           </a:p>
@@ -1225,7 +1225,7 @@
           <a:p>
             <a:fld id="{D997B5FA-0921-464F-AAE1-844C04324D75}" type="datetimeFigureOut">
               <a:rPr lang="zh-CN" altLang="en-US" smtClean="0"/>
-              <a:t>2017/8/4</a:t>
+              <a:t>2017/8/14</a:t>
             </a:fld>
             <a:endParaRPr lang="zh-CN" altLang="en-US"/>
           </a:p>
@@ -1587,7 +1587,7 @@
           <a:p>
             <a:fld id="{D997B5FA-0921-464F-AAE1-844C04324D75}" type="datetimeFigureOut">
               <a:rPr lang="zh-CN" altLang="en-US" smtClean="0"/>
-              <a:t>2017/8/4</a:t>
+              <a:t>2017/8/14</a:t>
             </a:fld>
             <a:endParaRPr lang="zh-CN" altLang="en-US"/>
           </a:p>
@@ -1700,7 +1700,7 @@
           <a:p>
             <a:fld id="{D997B5FA-0921-464F-AAE1-844C04324D75}" type="datetimeFigureOut">
               <a:rPr lang="zh-CN" altLang="en-US" smtClean="0"/>
-              <a:t>2017/8/4</a:t>
+              <a:t>2017/8/14</a:t>
             </a:fld>
             <a:endParaRPr lang="zh-CN" altLang="en-US"/>
           </a:p>
@@ -1790,7 +1790,7 @@
           <a:p>
             <a:fld id="{D997B5FA-0921-464F-AAE1-844C04324D75}" type="datetimeFigureOut">
               <a:rPr lang="zh-CN" altLang="en-US" smtClean="0"/>
-              <a:t>2017/8/4</a:t>
+              <a:t>2017/8/14</a:t>
             </a:fld>
             <a:endParaRPr lang="zh-CN" altLang="en-US"/>
           </a:p>
@@ -2062,7 +2062,7 @@
           <a:p>
             <a:fld id="{D997B5FA-0921-464F-AAE1-844C04324D75}" type="datetimeFigureOut">
               <a:rPr lang="zh-CN" altLang="en-US" smtClean="0"/>
-              <a:t>2017/8/4</a:t>
+              <a:t>2017/8/14</a:t>
             </a:fld>
             <a:endParaRPr lang="zh-CN" altLang="en-US"/>
           </a:p>
@@ -2310,7 +2310,7 @@
           <a:p>
             <a:fld id="{D997B5FA-0921-464F-AAE1-844C04324D75}" type="datetimeFigureOut">
               <a:rPr lang="zh-CN" altLang="en-US" smtClean="0"/>
-              <a:t>2017/8/4</a:t>
+              <a:t>2017/8/14</a:t>
             </a:fld>
             <a:endParaRPr lang="zh-CN" altLang="en-US"/>
           </a:p>
@@ -2518,7 +2518,7 @@
           <a:p>
             <a:fld id="{D997B5FA-0921-464F-AAE1-844C04324D75}" type="datetimeFigureOut">
               <a:rPr lang="zh-CN" altLang="en-US" smtClean="0"/>
-              <a:t>2017/8/4</a:t>
+              <a:t>2017/8/14</a:t>
             </a:fld>
             <a:endParaRPr lang="zh-CN" altLang="en-US"/>
           </a:p>
@@ -2941,16 +2941,16 @@
           <a:lstStyle/>
           <a:p>
             <a:r>
-              <a:rPr lang="zh-CN" altLang="en-US"/>
+              <a:rPr lang="zh-CN" altLang="en-US" dirty="0"/>
               <a:t>第一步 注册</a:t>
             </a:r>
           </a:p>
           <a:p>
-            <a:endParaRPr lang="zh-CN" altLang="en-US"/>
-          </a:p>
-          <a:p>
-            <a:r>
-              <a:rPr lang="zh-CN" altLang="en-US"/>
+            <a:endParaRPr lang="zh-CN" altLang="en-US" dirty="0"/>
+          </a:p>
+          <a:p>
+            <a:r>
+              <a:rPr lang="zh-CN" altLang="en-US" dirty="0"/>
               <a:t>首先你需要 去bintray官网https://bintray.com/ 注册个账号,这里就不过多描述了.你可以的.</a:t>
             </a:r>
           </a:p>
@@ -2972,14 +2972,68 @@
         </p:blipFill>
         <p:spPr>
           <a:xfrm>
-            <a:off x="423545" y="1115695"/>
-            <a:ext cx="10135235" cy="5483860"/>
+            <a:off x="4781361" y="2618661"/>
+            <a:ext cx="7311785" cy="3956179"/>
           </a:xfrm>
           <a:prstGeom prst="rect">
             <a:avLst/>
           </a:prstGeom>
         </p:spPr>
       </p:pic>
+      <p:pic>
+        <p:nvPicPr>
+          <p:cNvPr id="2" name="图片 1"/>
+          <p:cNvPicPr>
+            <a:picLocks noChangeAspect="1"/>
+          </p:cNvPicPr>
+          <p:nvPr/>
+        </p:nvPicPr>
+        <p:blipFill>
+          <a:blip r:embed="rId3"/>
+          <a:stretch>
+            <a:fillRect/>
+          </a:stretch>
+        </p:blipFill>
+        <p:spPr>
+          <a:xfrm>
+            <a:off x="423546" y="1052831"/>
+            <a:ext cx="4280260" cy="2283146"/>
+          </a:xfrm>
+          <a:prstGeom prst="rect">
+            <a:avLst/>
+          </a:prstGeom>
+        </p:spPr>
+      </p:pic>
+      <p:sp>
+        <p:nvSpPr>
+          <p:cNvPr id="3" name="文本框 2"/>
+          <p:cNvSpPr txBox="1"/>
+          <p:nvPr/>
+        </p:nvSpPr>
+        <p:spPr>
+          <a:xfrm>
+            <a:off x="4781361" y="1318054"/>
+            <a:ext cx="6364434" cy="646331"/>
+          </a:xfrm>
+          <a:prstGeom prst="rect">
+            <a:avLst/>
+          </a:prstGeom>
+          <a:noFill/>
+        </p:spPr>
+        <p:txBody>
+          <a:bodyPr wrap="square" rtlCol="0">
+            <a:spAutoFit/>
+          </a:bodyPr>
+          <a:lstStyle/>
+          <a:p>
+            <a:r>
+              <a:rPr lang="zh-CN" altLang="en-US" dirty="0" smtClean="0"/>
+              <a:t>选择框出来的这个 不然后面会出现组织问题 因为我初学 也没关心 但是选择左边的会出错</a:t>
+            </a:r>
+            <a:endParaRPr lang="zh-CN" altLang="en-US" dirty="0"/>
+          </a:p>
+        </p:txBody>
+      </p:sp>
     </p:spTree>
   </p:cSld>
   <p:clrMapOvr>
@@ -3762,14 +3816,10 @@
           <a:p>
             <a:r>
               <a:rPr lang="zh-CN" altLang="en-US" sz="1200" dirty="0"/>
-              <a:t>    artifactId </a:t>
-            </a:r>
-            <a:r>
-              <a:rPr lang="zh-CN" altLang="en-US" sz="1200"/>
-              <a:t>= </a:t>
-            </a:r>
-            <a:r>
-              <a:rPr lang="zh-CN" altLang="en-US" sz="1200" smtClean="0"/>
+              <a:t>    artifactId = </a:t>
+            </a:r>
+            <a:r>
+              <a:rPr lang="zh-CN" altLang="en-US" sz="1200" dirty="0" smtClean="0"/>
               <a:t>'un</a:t>
             </a:r>
             <a:r>

--- a/如何将项目打包传到jcenter上.pptx
+++ b/如何将项目打包传到jcenter上.pptx
@@ -15,6 +15,7 @@
     <p:sldId id="263" r:id="rId9"/>
     <p:sldId id="264" r:id="rId10"/>
     <p:sldId id="265" r:id="rId11"/>
+    <p:sldId id="266" r:id="rId12"/>
   </p:sldIdLst>
   <p:sldSz cx="12192000" cy="6858000"/>
   <p:notesSz cx="6858000" cy="9144000"/>
@@ -252,7 +253,7 @@
           <a:p>
             <a:fld id="{D997B5FA-0921-464F-AAE1-844C04324D75}" type="datetimeFigureOut">
               <a:rPr lang="zh-CN" altLang="en-US" smtClean="0"/>
-              <a:t>2017/8/14</a:t>
+              <a:t>2017/8/17</a:t>
             </a:fld>
             <a:endParaRPr lang="zh-CN" altLang="en-US"/>
           </a:p>
@@ -417,7 +418,7 @@
           <a:p>
             <a:fld id="{D997B5FA-0921-464F-AAE1-844C04324D75}" type="datetimeFigureOut">
               <a:rPr lang="zh-CN" altLang="en-US" smtClean="0"/>
-              <a:t>2017/8/14</a:t>
+              <a:t>2017/8/17</a:t>
             </a:fld>
             <a:endParaRPr lang="zh-CN" altLang="en-US"/>
           </a:p>
@@ -592,7 +593,7 @@
           <a:p>
             <a:fld id="{D997B5FA-0921-464F-AAE1-844C04324D75}" type="datetimeFigureOut">
               <a:rPr lang="zh-CN" altLang="en-US" smtClean="0"/>
-              <a:t>2017/8/14</a:t>
+              <a:t>2017/8/17</a:t>
             </a:fld>
             <a:endParaRPr lang="zh-CN" altLang="en-US"/>
           </a:p>
@@ -757,7 +758,7 @@
           <a:p>
             <a:fld id="{D997B5FA-0921-464F-AAE1-844C04324D75}" type="datetimeFigureOut">
               <a:rPr lang="zh-CN" altLang="en-US" smtClean="0"/>
-              <a:t>2017/8/14</a:t>
+              <a:t>2017/8/17</a:t>
             </a:fld>
             <a:endParaRPr lang="zh-CN" altLang="en-US"/>
           </a:p>
@@ -998,7 +999,7 @@
           <a:p>
             <a:fld id="{D997B5FA-0921-464F-AAE1-844C04324D75}" type="datetimeFigureOut">
               <a:rPr lang="zh-CN" altLang="en-US" smtClean="0"/>
-              <a:t>2017/8/14</a:t>
+              <a:t>2017/8/17</a:t>
             </a:fld>
             <a:endParaRPr lang="zh-CN" altLang="en-US"/>
           </a:p>
@@ -1225,7 +1226,7 @@
           <a:p>
             <a:fld id="{D997B5FA-0921-464F-AAE1-844C04324D75}" type="datetimeFigureOut">
               <a:rPr lang="zh-CN" altLang="en-US" smtClean="0"/>
-              <a:t>2017/8/14</a:t>
+              <a:t>2017/8/17</a:t>
             </a:fld>
             <a:endParaRPr lang="zh-CN" altLang="en-US"/>
           </a:p>
@@ -1587,7 +1588,7 @@
           <a:p>
             <a:fld id="{D997B5FA-0921-464F-AAE1-844C04324D75}" type="datetimeFigureOut">
               <a:rPr lang="zh-CN" altLang="en-US" smtClean="0"/>
-              <a:t>2017/8/14</a:t>
+              <a:t>2017/8/17</a:t>
             </a:fld>
             <a:endParaRPr lang="zh-CN" altLang="en-US"/>
           </a:p>
@@ -1700,7 +1701,7 @@
           <a:p>
             <a:fld id="{D997B5FA-0921-464F-AAE1-844C04324D75}" type="datetimeFigureOut">
               <a:rPr lang="zh-CN" altLang="en-US" smtClean="0"/>
-              <a:t>2017/8/14</a:t>
+              <a:t>2017/8/17</a:t>
             </a:fld>
             <a:endParaRPr lang="zh-CN" altLang="en-US"/>
           </a:p>
@@ -1790,7 +1791,7 @@
           <a:p>
             <a:fld id="{D997B5FA-0921-464F-AAE1-844C04324D75}" type="datetimeFigureOut">
               <a:rPr lang="zh-CN" altLang="en-US" smtClean="0"/>
-              <a:t>2017/8/14</a:t>
+              <a:t>2017/8/17</a:t>
             </a:fld>
             <a:endParaRPr lang="zh-CN" altLang="en-US"/>
           </a:p>
@@ -2062,7 +2063,7 @@
           <a:p>
             <a:fld id="{D997B5FA-0921-464F-AAE1-844C04324D75}" type="datetimeFigureOut">
               <a:rPr lang="zh-CN" altLang="en-US" smtClean="0"/>
-              <a:t>2017/8/14</a:t>
+              <a:t>2017/8/17</a:t>
             </a:fld>
             <a:endParaRPr lang="zh-CN" altLang="en-US"/>
           </a:p>
@@ -2310,7 +2311,7 @@
           <a:p>
             <a:fld id="{D997B5FA-0921-464F-AAE1-844C04324D75}" type="datetimeFigureOut">
               <a:rPr lang="zh-CN" altLang="en-US" smtClean="0"/>
-              <a:t>2017/8/14</a:t>
+              <a:t>2017/8/17</a:t>
             </a:fld>
             <a:endParaRPr lang="zh-CN" altLang="en-US"/>
           </a:p>
@@ -2518,7 +2519,7 @@
           <a:p>
             <a:fld id="{D997B5FA-0921-464F-AAE1-844C04324D75}" type="datetimeFigureOut">
               <a:rPr lang="zh-CN" altLang="en-US" smtClean="0"/>
-              <a:t>2017/8/14</a:t>
+              <a:t>2017/8/17</a:t>
             </a:fld>
             <a:endParaRPr lang="zh-CN" altLang="en-US"/>
           </a:p>
@@ -3177,6 +3178,60 @@
 </p:sld>
 </file>
 
+<file path=ppt/slides/slide11.xml><?xml version="1.0" encoding="utf-8"?>
+<p:sld xmlns:a="http://schemas.openxmlformats.org/drawingml/2006/main" xmlns:r="http://schemas.openxmlformats.org/officeDocument/2006/relationships" xmlns:p="http://schemas.openxmlformats.org/presentationml/2006/main">
+  <p:cSld>
+    <p:spTree>
+      <p:nvGrpSpPr>
+        <p:cNvPr id="1" name=""/>
+        <p:cNvGrpSpPr/>
+        <p:nvPr/>
+      </p:nvGrpSpPr>
+      <p:grpSpPr>
+        <a:xfrm>
+          <a:off x="0" y="0"/>
+          <a:ext cx="0" cy="0"/>
+          <a:chOff x="0" y="0"/>
+          <a:chExt cx="0" cy="0"/>
+        </a:xfrm>
+      </p:grpSpPr>
+      <p:pic>
+        <p:nvPicPr>
+          <p:cNvPr id="4" name="图片 3"/>
+          <p:cNvPicPr>
+            <a:picLocks noChangeAspect="1"/>
+          </p:cNvPicPr>
+          <p:nvPr/>
+        </p:nvPicPr>
+        <p:blipFill>
+          <a:blip r:embed="rId2"/>
+          <a:stretch>
+            <a:fillRect/>
+          </a:stretch>
+        </p:blipFill>
+        <p:spPr>
+          <a:xfrm>
+            <a:off x="427182" y="360081"/>
+            <a:ext cx="9071046" cy="5844334"/>
+          </a:xfrm>
+          <a:prstGeom prst="rect">
+            <a:avLst/>
+          </a:prstGeom>
+        </p:spPr>
+      </p:pic>
+    </p:spTree>
+    <p:extLst>
+      <p:ext uri="{BB962C8B-B14F-4D97-AF65-F5344CB8AC3E}">
+        <p14:creationId xmlns:p14="http://schemas.microsoft.com/office/powerpoint/2010/main" val="3772021951"/>
+      </p:ext>
+    </p:extLst>
+  </p:cSld>
+  <p:clrMapOvr>
+    <a:masterClrMapping/>
+  </p:clrMapOvr>
+</p:sld>
+</file>
+
 <file path=ppt/slides/slide2.xml><?xml version="1.0" encoding="utf-8"?>
 <p:sld xmlns:a="http://schemas.openxmlformats.org/drawingml/2006/main" xmlns:r="http://schemas.openxmlformats.org/officeDocument/2006/relationships" xmlns:p="http://schemas.openxmlformats.org/presentationml/2006/main">
   <p:cSld>
